--- a/Tools/学习总结.pptx
+++ b/Tools/学习总结.pptx
@@ -11532,8 +11532,8 @@
         </p:nvSpPr>
         <p:spPr>
           <a:xfrm>
-            <a:off x="12520" y="4495800"/>
-            <a:ext cx="12992280" cy="4419600"/>
+            <a:off x="251056" y="1447799"/>
+            <a:ext cx="12519620" cy="4800600"/>
           </a:xfrm>
           <a:custGeom>
             <a:avLst/>
@@ -11570,7 +11570,278 @@
           <a:bodyPr wrap="square" lIns="0" tIns="0" rIns="0" bIns="0" rtlCol="0"/>
           <a:lstStyle/>
           <a:p>
-            <a:endParaRPr/>
+            <a:endParaRPr lang="en-US" dirty="0"/>
+          </a:p>
+          <a:p>
+            <a:r>
+              <a:rPr lang="en-US" dirty="0"/>
+              <a:t>   </a:t>
+            </a:r>
+            <a:r>
+              <a:rPr lang="zh-CN" altLang="en-US" dirty="0"/>
+              <a:t>本次使用</a:t>
+            </a:r>
+            <a:r>
+              <a:rPr lang="en-US" altLang="zh-CN" dirty="0"/>
+              <a:t>Django </a:t>
+            </a:r>
+            <a:r>
+              <a:rPr lang="en-US" altLang="zh-CN" b="0" i="0" dirty="0">
+                <a:solidFill>
+                  <a:srgbClr val="404040"/>
+                </a:solidFill>
+                <a:effectLst/>
+                <a:latin typeface="-apple-system"/>
+              </a:rPr>
+              <a:t>REST framework</a:t>
+            </a:r>
+            <a:r>
+              <a:rPr lang="zh-CN" altLang="en-US" b="0" i="0" dirty="0">
+                <a:solidFill>
+                  <a:srgbClr val="404040"/>
+                </a:solidFill>
+                <a:effectLst/>
+                <a:latin typeface="-apple-system"/>
+              </a:rPr>
+              <a:t>进行后端开发，它是一套基于</a:t>
+            </a:r>
+            <a:r>
+              <a:rPr lang="en-US" altLang="zh-CN" b="0" i="0" dirty="0">
+                <a:solidFill>
+                  <a:srgbClr val="404040"/>
+                </a:solidFill>
+                <a:effectLst/>
+                <a:latin typeface="-apple-system"/>
+              </a:rPr>
+              <a:t>Django</a:t>
+            </a:r>
+            <a:r>
+              <a:rPr lang="zh-CN" altLang="en-US" b="0" i="0" dirty="0">
+                <a:solidFill>
+                  <a:srgbClr val="404040"/>
+                </a:solidFill>
+                <a:effectLst/>
+                <a:latin typeface="-apple-system"/>
+              </a:rPr>
+              <a:t>框架编写</a:t>
+            </a:r>
+            <a:r>
+              <a:rPr lang="en-US" altLang="zh-CN" b="0" i="0" dirty="0">
+                <a:solidFill>
+                  <a:srgbClr val="404040"/>
+                </a:solidFill>
+                <a:effectLst/>
+                <a:latin typeface="-apple-system"/>
+              </a:rPr>
+              <a:t>RESTful</a:t>
+            </a:r>
+            <a:r>
+              <a:rPr lang="zh-CN" altLang="en-US" b="0" i="0" dirty="0">
+                <a:solidFill>
+                  <a:srgbClr val="404040"/>
+                </a:solidFill>
+                <a:effectLst/>
+                <a:latin typeface="-apple-system"/>
+              </a:rPr>
+              <a:t>风格</a:t>
+            </a:r>
+            <a:r>
+              <a:rPr lang="en-US" altLang="zh-CN" b="0" i="0" dirty="0">
+                <a:solidFill>
+                  <a:srgbClr val="404040"/>
+                </a:solidFill>
+                <a:effectLst/>
+                <a:latin typeface="-apple-system"/>
+              </a:rPr>
+              <a:t>API</a:t>
+            </a:r>
+            <a:r>
+              <a:rPr lang="zh-CN" altLang="en-US" b="0" i="0" dirty="0">
+                <a:solidFill>
+                  <a:srgbClr val="404040"/>
+                </a:solidFill>
+                <a:effectLst/>
+                <a:latin typeface="-apple-system"/>
+              </a:rPr>
+              <a:t>的组件。</a:t>
+            </a:r>
+            <a:r>
+              <a:rPr lang="zh-CN" altLang="en-US" dirty="0">
+                <a:solidFill>
+                  <a:srgbClr val="404040"/>
+                </a:solidFill>
+                <a:latin typeface="-apple-system"/>
+              </a:rPr>
+              <a:t>前后端分离开发的好</a:t>
+            </a:r>
+            <a:endParaRPr lang="en-US" altLang="zh-CN" dirty="0">
+              <a:solidFill>
+                <a:srgbClr val="404040"/>
+              </a:solidFill>
+              <a:latin typeface="-apple-system"/>
+            </a:endParaRPr>
+          </a:p>
+          <a:p>
+            <a:r>
+              <a:rPr lang="en-US" dirty="0">
+                <a:solidFill>
+                  <a:srgbClr val="404040"/>
+                </a:solidFill>
+                <a:latin typeface="-apple-system"/>
+              </a:rPr>
+              <a:t>   </a:t>
+            </a:r>
+            <a:r>
+              <a:rPr lang="zh-CN" altLang="en-US" dirty="0">
+                <a:solidFill>
+                  <a:srgbClr val="404040"/>
+                </a:solidFill>
+                <a:latin typeface="-apple-system"/>
+              </a:rPr>
+              <a:t>处在于，大部分接口都是可以重复利用的，同时</a:t>
+            </a:r>
+            <a:r>
+              <a:rPr lang="en-US" altLang="zh-CN" dirty="0">
+                <a:solidFill>
+                  <a:srgbClr val="404040"/>
+                </a:solidFill>
+                <a:latin typeface="-apple-system"/>
+              </a:rPr>
+              <a:t>REST framework</a:t>
+            </a:r>
+            <a:r>
+              <a:rPr lang="zh-CN" altLang="en-US" dirty="0">
+                <a:solidFill>
+                  <a:srgbClr val="404040"/>
+                </a:solidFill>
+                <a:latin typeface="-apple-system"/>
+              </a:rPr>
+              <a:t>自带的序列化，视图集，路由等功能已经集成了后端接口</a:t>
+            </a:r>
+            <a:endParaRPr lang="en-US" altLang="zh-CN" dirty="0">
+              <a:solidFill>
+                <a:srgbClr val="404040"/>
+              </a:solidFill>
+              <a:latin typeface="-apple-system"/>
+            </a:endParaRPr>
+          </a:p>
+          <a:p>
+            <a:r>
+              <a:rPr lang="en-US" dirty="0">
+                <a:solidFill>
+                  <a:srgbClr val="404040"/>
+                </a:solidFill>
+                <a:latin typeface="-apple-system"/>
+              </a:rPr>
+              <a:t>   </a:t>
+            </a:r>
+            <a:r>
+              <a:rPr lang="zh-CN" altLang="en-US" dirty="0">
+                <a:solidFill>
+                  <a:srgbClr val="404040"/>
+                </a:solidFill>
+                <a:latin typeface="-apple-system"/>
+              </a:rPr>
+              <a:t>的基本功能，更方便针对需求进行修改。</a:t>
+            </a:r>
+            <a:endParaRPr lang="en-US" altLang="zh-CN" dirty="0">
+              <a:solidFill>
+                <a:srgbClr val="404040"/>
+              </a:solidFill>
+              <a:latin typeface="-apple-system"/>
+            </a:endParaRPr>
+          </a:p>
+          <a:p>
+            <a:endParaRPr lang="en-US" altLang="zh-CN" dirty="0">
+              <a:solidFill>
+                <a:srgbClr val="404040"/>
+              </a:solidFill>
+              <a:latin typeface="-apple-system"/>
+            </a:endParaRPr>
+          </a:p>
+          <a:p>
+            <a:r>
+              <a:rPr lang="en-US" dirty="0"/>
+              <a:t>   </a:t>
+            </a:r>
+            <a:r>
+              <a:rPr lang="zh-CN" altLang="en-US"/>
+              <a:t>本次后端开发：</a:t>
+            </a:r>
+            <a:endParaRPr lang="en-US" dirty="0"/>
+          </a:p>
+          <a:p>
+            <a:r>
+              <a:rPr lang="en-US" dirty="0"/>
+              <a:t>   1.</a:t>
+            </a:r>
+            <a:r>
+              <a:rPr lang="zh-CN" altLang="en-US" dirty="0"/>
+              <a:t>建立表结构，使用数据库映射方法在数据库中创建表</a:t>
+            </a:r>
+            <a:endParaRPr lang="en-US" altLang="zh-CN" dirty="0"/>
+          </a:p>
+          <a:p>
+            <a:endParaRPr lang="en-US" dirty="0"/>
+          </a:p>
+          <a:p>
+            <a:r>
+              <a:rPr lang="en-US" dirty="0"/>
+              <a:t>   2.</a:t>
+            </a:r>
+            <a:r>
+              <a:rPr lang="zh-CN" altLang="en-US" dirty="0"/>
+              <a:t>将表序列化，便于数据更新操作</a:t>
+            </a:r>
+            <a:endParaRPr lang="en-US" altLang="zh-CN" dirty="0"/>
+          </a:p>
+          <a:p>
+            <a:endParaRPr lang="en-US" altLang="zh-CN" dirty="0"/>
+          </a:p>
+          <a:p>
+            <a:r>
+              <a:rPr lang="en-US" altLang="zh-CN" dirty="0"/>
+              <a:t>   3.</a:t>
+            </a:r>
+            <a:r>
+              <a:rPr lang="zh-CN" altLang="en-US" dirty="0"/>
+              <a:t>创建视图，作为前端交互接口</a:t>
+            </a:r>
+            <a:endParaRPr lang="en-US" altLang="zh-CN" dirty="0"/>
+          </a:p>
+          <a:p>
+            <a:endParaRPr lang="en-US" altLang="zh-CN" dirty="0"/>
+          </a:p>
+          <a:p>
+            <a:r>
+              <a:rPr lang="en-US" altLang="zh-CN" dirty="0"/>
+              <a:t>   4.</a:t>
+            </a:r>
+            <a:r>
+              <a:rPr lang="zh-CN" altLang="en-US" dirty="0"/>
+              <a:t>增加检索与分页功能，用于返回对应的数据</a:t>
+            </a:r>
+            <a:endParaRPr lang="en-US" altLang="zh-CN" dirty="0"/>
+          </a:p>
+          <a:p>
+            <a:endParaRPr lang="en-US" altLang="zh-CN" dirty="0"/>
+          </a:p>
+          <a:p>
+            <a:r>
+              <a:rPr lang="en-US" altLang="zh-CN" dirty="0"/>
+              <a:t>   5.</a:t>
+            </a:r>
+            <a:r>
+              <a:rPr lang="zh-CN" altLang="en-US" dirty="0"/>
+              <a:t>重写新建，更新，删除功能接口，满足前端功能需求</a:t>
+            </a:r>
+            <a:endParaRPr lang="en-US" altLang="zh-CN" dirty="0"/>
+          </a:p>
+          <a:p>
+            <a:endParaRPr lang="en-US" dirty="0"/>
+          </a:p>
+          <a:p>
+            <a:endParaRPr dirty="0"/>
           </a:p>
         </p:txBody>
       </p:sp>
